--- a/Report/[19년 전종설 컴(다) 2조] 프로젝트 중간발표 PPT - 개가천선 ver 1.0.2.pptx
+++ b/Report/[19년 전종설 컴(다) 2조] 프로젝트 중간발표 PPT - 개가천선 ver 1.0.2.pptx
@@ -17330,27 +17330,7 @@
                 <a:latin typeface="맑은 고딕" panose="020B0503020000020004" pitchFamily="50" charset="-127"/>
                 <a:ea typeface="맑은 고딕" panose="020B0503020000020004" pitchFamily="50" charset="-127"/>
               </a:rPr>
-              <a:t> 시장의 </a:t>
-            </a:r>
-            <a:r>
-              <a:rPr lang="ko-KR" altLang="en-US" sz="2800" dirty="0" err="1">
-                <a:solidFill>
-                  <a:srgbClr val="595959"/>
-                </a:solidFill>
-                <a:latin typeface="맑은 고딕" panose="020B0503020000020004" pitchFamily="50" charset="-127"/>
-                <a:ea typeface="맑은 고딕" panose="020B0503020000020004" pitchFamily="50" charset="-127"/>
-              </a:rPr>
-              <a:t>폭팔적</a:t>
-            </a:r>
-            <a:r>
-              <a:rPr lang="ko-KR" altLang="en-US" sz="2800" dirty="0">
-                <a:solidFill>
-                  <a:srgbClr val="595959"/>
-                </a:solidFill>
-                <a:latin typeface="맑은 고딕" panose="020B0503020000020004" pitchFamily="50" charset="-127"/>
-                <a:ea typeface="맑은 고딕" panose="020B0503020000020004" pitchFamily="50" charset="-127"/>
-              </a:rPr>
-              <a:t> 성장</a:t>
+              <a:t> 시장의 폭발적 성장</a:t>
             </a:r>
             <a:endParaRPr lang="en-US" altLang="ko-KR" sz="2800" dirty="0">
               <a:solidFill>
@@ -18080,27 +18060,7 @@
                 <a:latin typeface="맑은 고딕" panose="020B0503020000020004" pitchFamily="50" charset="-127"/>
                 <a:ea typeface="맑은 고딕" panose="020B0503020000020004" pitchFamily="50" charset="-127"/>
               </a:rPr>
-              <a:t> 시장의 </a:t>
-            </a:r>
-            <a:r>
-              <a:rPr lang="ko-KR" altLang="en-US" sz="2800" b="1" dirty="0" err="1">
-                <a:solidFill>
-                  <a:srgbClr val="595959"/>
-                </a:solidFill>
-                <a:latin typeface="맑은 고딕" panose="020B0503020000020004" pitchFamily="50" charset="-127"/>
-                <a:ea typeface="맑은 고딕" panose="020B0503020000020004" pitchFamily="50" charset="-127"/>
-              </a:rPr>
-              <a:t>폭팔적</a:t>
-            </a:r>
-            <a:r>
-              <a:rPr lang="ko-KR" altLang="en-US" sz="2800" b="1" dirty="0">
-                <a:solidFill>
-                  <a:srgbClr val="595959"/>
-                </a:solidFill>
-                <a:latin typeface="맑은 고딕" panose="020B0503020000020004" pitchFamily="50" charset="-127"/>
-                <a:ea typeface="맑은 고딕" panose="020B0503020000020004" pitchFamily="50" charset="-127"/>
-              </a:rPr>
-              <a:t> 성장</a:t>
+              <a:t> 시장의 폭발적 성장</a:t>
             </a:r>
             <a:endParaRPr lang="en-US" altLang="ko-KR" sz="2800" b="1" dirty="0">
               <a:solidFill>
@@ -19254,27 +19214,7 @@
                 <a:latin typeface="맑은 고딕" panose="020B0503020000020004" pitchFamily="50" charset="-127"/>
                 <a:ea typeface="맑은 고딕" panose="020B0503020000020004" pitchFamily="50" charset="-127"/>
               </a:rPr>
-              <a:t> 시장의 </a:t>
-            </a:r>
-            <a:r>
-              <a:rPr lang="ko-KR" altLang="en-US" sz="2800" dirty="0" err="1">
-                <a:solidFill>
-                  <a:srgbClr val="595959"/>
-                </a:solidFill>
-                <a:latin typeface="맑은 고딕" panose="020B0503020000020004" pitchFamily="50" charset="-127"/>
-                <a:ea typeface="맑은 고딕" panose="020B0503020000020004" pitchFamily="50" charset="-127"/>
-              </a:rPr>
-              <a:t>폭팔적</a:t>
-            </a:r>
-            <a:r>
-              <a:rPr lang="ko-KR" altLang="en-US" sz="2800" dirty="0">
-                <a:solidFill>
-                  <a:srgbClr val="595959"/>
-                </a:solidFill>
-                <a:latin typeface="맑은 고딕" panose="020B0503020000020004" pitchFamily="50" charset="-127"/>
-                <a:ea typeface="맑은 고딕" panose="020B0503020000020004" pitchFamily="50" charset="-127"/>
-              </a:rPr>
-              <a:t> 성장</a:t>
+              <a:t> 시장의 폭발적 성장</a:t>
             </a:r>
             <a:endParaRPr lang="en-US" altLang="ko-KR" sz="2800" dirty="0">
               <a:solidFill>
@@ -20428,27 +20368,7 @@
                 <a:latin typeface="맑은 고딕" panose="020B0503020000020004" pitchFamily="50" charset="-127"/>
                 <a:ea typeface="맑은 고딕" panose="020B0503020000020004" pitchFamily="50" charset="-127"/>
               </a:rPr>
-              <a:t> 시장의 </a:t>
-            </a:r>
-            <a:r>
-              <a:rPr lang="ko-KR" altLang="en-US" sz="2800" dirty="0" err="1">
-                <a:solidFill>
-                  <a:srgbClr val="595959"/>
-                </a:solidFill>
-                <a:latin typeface="맑은 고딕" panose="020B0503020000020004" pitchFamily="50" charset="-127"/>
-                <a:ea typeface="맑은 고딕" panose="020B0503020000020004" pitchFamily="50" charset="-127"/>
-              </a:rPr>
-              <a:t>폭팔적</a:t>
-            </a:r>
-            <a:r>
-              <a:rPr lang="ko-KR" altLang="en-US" sz="2800" dirty="0">
-                <a:solidFill>
-                  <a:srgbClr val="595959"/>
-                </a:solidFill>
-                <a:latin typeface="맑은 고딕" panose="020B0503020000020004" pitchFamily="50" charset="-127"/>
-                <a:ea typeface="맑은 고딕" panose="020B0503020000020004" pitchFamily="50" charset="-127"/>
-              </a:rPr>
-              <a:t> 성장</a:t>
+              <a:t> 시장의 폭발적 성장</a:t>
             </a:r>
             <a:endParaRPr lang="en-US" altLang="ko-KR" sz="2800" dirty="0">
               <a:solidFill>
@@ -21178,27 +21098,7 @@
                 <a:latin typeface="맑은 고딕" panose="020B0503020000020004" pitchFamily="50" charset="-127"/>
                 <a:ea typeface="맑은 고딕" panose="020B0503020000020004" pitchFamily="50" charset="-127"/>
               </a:rPr>
-              <a:t> 시장의 </a:t>
-            </a:r>
-            <a:r>
-              <a:rPr lang="ko-KR" altLang="en-US" sz="2800" dirty="0" err="1">
-                <a:solidFill>
-                  <a:srgbClr val="595959"/>
-                </a:solidFill>
-                <a:latin typeface="맑은 고딕" panose="020B0503020000020004" pitchFamily="50" charset="-127"/>
-                <a:ea typeface="맑은 고딕" panose="020B0503020000020004" pitchFamily="50" charset="-127"/>
-              </a:rPr>
-              <a:t>폭팔적</a:t>
-            </a:r>
-            <a:r>
-              <a:rPr lang="ko-KR" altLang="en-US" sz="2800" dirty="0">
-                <a:solidFill>
-                  <a:srgbClr val="595959"/>
-                </a:solidFill>
-                <a:latin typeface="맑은 고딕" panose="020B0503020000020004" pitchFamily="50" charset="-127"/>
-                <a:ea typeface="맑은 고딕" panose="020B0503020000020004" pitchFamily="50" charset="-127"/>
-              </a:rPr>
-              <a:t> 성장</a:t>
+              <a:t> 시장의 폭발적 성장</a:t>
             </a:r>
             <a:endParaRPr lang="en-US" altLang="ko-KR" sz="2800" dirty="0">
               <a:solidFill>
